--- a/exam/Eksamen-pat/6. Netbeans.pptx
+++ b/exam/Eksamen-pat/6. Netbeans.pptx
@@ -1031,7 +1031,7 @@
           <a:p>
             <a:fld id="{5899BAF2-226F-4590-8162-37F728AD5239}" type="datetimeFigureOut">
               <a:rPr lang="da-DK" smtClean="0"/>
-              <a:t>08-06-2021</a:t>
+              <a:t>12.06.2022</a:t>
             </a:fld>
             <a:endParaRPr lang="da-DK"/>
           </a:p>
@@ -1189,7 +1189,7 @@
           <a:p>
             <a:fld id="{7431BA85-7CE9-4FE6-BFBE-83A00011226F}" type="slidenum">
               <a:rPr lang="da-DK" smtClean="0"/>
-              <a:t>‹nr.›</a:t>
+              <a:t>‹#›</a:t>
             </a:fld>
             <a:endParaRPr lang="da-DK"/>
           </a:p>
@@ -1717,7 +1717,40 @@
                 <a:effectLst/>
                 <a:latin typeface="-apple-system"/>
               </a:rPr>
-              <a:t> enables classes to be loaded from other modules, while avoiding namespace conflicts. The loading of classes is delegated to the parent </a:t>
+              <a:t> enables classes to be loaded from other modules, while avoiding namespace conflicts</a:t>
+            </a:r>
+            <a:r>
+              <a:rPr lang="en-US" b="0" i="0">
+                <a:solidFill>
+                  <a:srgbClr val="F8F8F2"/>
+                </a:solidFill>
+                <a:effectLst/>
+                <a:latin typeface="-apple-system"/>
+              </a:rPr>
+              <a:t>. </a:t>
+            </a:r>
+          </a:p>
+          <a:p>
+            <a:pPr algn="just"/>
+            <a:r>
+              <a:rPr lang="en-US" b="0" i="0">
+                <a:solidFill>
+                  <a:srgbClr val="F8F8F2"/>
+                </a:solidFill>
+                <a:effectLst/>
+                <a:latin typeface="-apple-system"/>
+              </a:rPr>
+              <a:t>The </a:t>
+            </a:r>
+            <a:r>
+              <a:rPr lang="en-US" b="0" i="0" dirty="0">
+                <a:solidFill>
+                  <a:srgbClr val="F8F8F2"/>
+                </a:solidFill>
+                <a:effectLst/>
+                <a:latin typeface="-apple-system"/>
+              </a:rPr>
+              <a:t>loading of classes is delegated to the parent </a:t>
             </a:r>
             <a:r>
               <a:rPr lang="en-US" b="0" i="0" dirty="0" err="1">
@@ -2056,7 +2089,7 @@
               <a:t>getContextClassLoader</a:t>
             </a:r>
             <a:r>
-              <a:rPr lang="en-US" b="0" i="0">
+              <a:rPr lang="en-US" b="0" i="0" dirty="0">
                 <a:solidFill>
                   <a:srgbClr val="F8F8F2"/>
                 </a:solidFill>
@@ -2650,27 +2683,7 @@
                 <a:effectLst/>
                 <a:latin typeface="-apple-system"/>
               </a:rPr>
-              <a:t>: </a:t>
-            </a:r>
-            <a:r>
-              <a:rPr lang="en-US" b="0" i="0">
-                <a:solidFill>
-                  <a:srgbClr val="F8F8F2"/>
-                </a:solidFill>
-                <a:effectLst/>
-                <a:latin typeface="-apple-system"/>
-              </a:rPr>
-              <a:t>Provides an </a:t>
-            </a:r>
-            <a:r>
-              <a:rPr lang="en-US" b="0" i="0" dirty="0">
-                <a:solidFill>
-                  <a:srgbClr val="F8F8F2"/>
-                </a:solidFill>
-                <a:effectLst/>
-                <a:latin typeface="-apple-system"/>
-              </a:rPr>
-              <a:t>important base component which is used for the intercommunication of the modules</a:t>
+              <a:t>: Provides an important base component which is used for the intercommunication of the modules</a:t>
             </a:r>
           </a:p>
           <a:p>
@@ -3124,7 +3137,7 @@
             <a:fld id="{3F9AFA87-1417-4992-ABD9-27C3BC8CC883}" type="datetimeFigureOut">
               <a:rPr lang="en-US" smtClean="0"/>
               <a:pPr algn="r"/>
-              <a:t>6/8/2021</a:t>
+              <a:t>6/12/22</a:t>
             </a:fld>
             <a:endParaRPr lang="en-US" dirty="0"/>
           </a:p>
@@ -3179,7 +3192,7 @@
             <a:fld id="{CB1E4CB7-CB13-4810-BF18-BE31AFC64F93}" type="slidenum">
               <a:rPr lang="en-US" smtClean="0"/>
               <a:pPr/>
-              <a:t>‹nr.›</a:t>
+              <a:t>‹#›</a:t>
             </a:fld>
             <a:endParaRPr lang="en-US" sz="1000" dirty="0"/>
           </a:p>
@@ -3325,7 +3338,7 @@
           <a:p>
             <a:fld id="{3F9AFA87-1417-4992-ABD9-27C3BC8CC883}" type="datetimeFigureOut">
               <a:rPr lang="en-US" smtClean="0"/>
-              <a:t>6/8/2021</a:t>
+              <a:t>6/12/22</a:t>
             </a:fld>
             <a:endParaRPr lang="en-US"/>
           </a:p>
@@ -3379,7 +3392,7 @@
           <a:p>
             <a:fld id="{CB1E4CB7-CB13-4810-BF18-BE31AFC64F93}" type="slidenum">
               <a:rPr lang="en-US" smtClean="0"/>
-              <a:t>‹nr.›</a:t>
+              <a:t>‹#›</a:t>
             </a:fld>
             <a:endParaRPr lang="en-US"/>
           </a:p>
@@ -3535,7 +3548,7 @@
           <a:p>
             <a:fld id="{3F9AFA87-1417-4992-ABD9-27C3BC8CC883}" type="datetimeFigureOut">
               <a:rPr lang="en-US" smtClean="0"/>
-              <a:t>6/8/2021</a:t>
+              <a:t>6/12/22</a:t>
             </a:fld>
             <a:endParaRPr lang="en-US"/>
           </a:p>
@@ -3589,7 +3602,7 @@
           <a:p>
             <a:fld id="{CB1E4CB7-CB13-4810-BF18-BE31AFC64F93}" type="slidenum">
               <a:rPr lang="en-US" smtClean="0"/>
-              <a:t>‹nr.›</a:t>
+              <a:t>‹#›</a:t>
             </a:fld>
             <a:endParaRPr lang="en-US"/>
           </a:p>
@@ -3733,7 +3746,7 @@
           <a:p>
             <a:fld id="{3F9AFA87-1417-4992-ABD9-27C3BC8CC883}" type="datetimeFigureOut">
               <a:rPr lang="en-US" smtClean="0"/>
-              <a:t>6/8/2021</a:t>
+              <a:t>6/12/22</a:t>
             </a:fld>
             <a:endParaRPr lang="en-US"/>
           </a:p>
@@ -3787,7 +3800,7 @@
           <a:p>
             <a:fld id="{CB1E4CB7-CB13-4810-BF18-BE31AFC64F93}" type="slidenum">
               <a:rPr lang="en-US" smtClean="0"/>
-              <a:t>‹nr.›</a:t>
+              <a:t>‹#›</a:t>
             </a:fld>
             <a:endParaRPr lang="en-US"/>
           </a:p>
@@ -4007,7 +4020,7 @@
           <a:p>
             <a:fld id="{3F9AFA87-1417-4992-ABD9-27C3BC8CC883}" type="datetimeFigureOut">
               <a:rPr lang="en-US" smtClean="0"/>
-              <a:t>6/8/2021</a:t>
+              <a:t>6/12/22</a:t>
             </a:fld>
             <a:endParaRPr lang="en-US"/>
           </a:p>
@@ -4061,7 +4074,7 @@
           <a:p>
             <a:fld id="{CB1E4CB7-CB13-4810-BF18-BE31AFC64F93}" type="slidenum">
               <a:rPr lang="en-US" smtClean="0"/>
-              <a:t>‹nr.›</a:t>
+              <a:t>‹#›</a:t>
             </a:fld>
             <a:endParaRPr lang="en-US"/>
           </a:p>
@@ -4272,7 +4285,7 @@
           <a:p>
             <a:fld id="{3F9AFA87-1417-4992-ABD9-27C3BC8CC883}" type="datetimeFigureOut">
               <a:rPr lang="en-US" smtClean="0"/>
-              <a:t>6/8/2021</a:t>
+              <a:t>6/12/22</a:t>
             </a:fld>
             <a:endParaRPr lang="en-US" dirty="0"/>
           </a:p>
@@ -4326,7 +4339,7 @@
           <a:p>
             <a:fld id="{CB1E4CB7-CB13-4810-BF18-BE31AFC64F93}" type="slidenum">
               <a:rPr lang="en-US" smtClean="0"/>
-              <a:t>‹nr.›</a:t>
+              <a:t>‹#›</a:t>
             </a:fld>
             <a:endParaRPr lang="en-US" dirty="0"/>
           </a:p>
@@ -4659,7 +4672,7 @@
           <a:p>
             <a:fld id="{3F9AFA87-1417-4992-ABD9-27C3BC8CC883}" type="datetimeFigureOut">
               <a:rPr lang="en-US" smtClean="0"/>
-              <a:t>6/8/2021</a:t>
+              <a:t>6/12/22</a:t>
             </a:fld>
             <a:endParaRPr lang="en-US"/>
           </a:p>
@@ -4713,7 +4726,7 @@
           <a:p>
             <a:fld id="{CB1E4CB7-CB13-4810-BF18-BE31AFC64F93}" type="slidenum">
               <a:rPr lang="en-US" smtClean="0"/>
-              <a:t>‹nr.›</a:t>
+              <a:t>‹#›</a:t>
             </a:fld>
             <a:endParaRPr lang="en-US"/>
           </a:p>
@@ -4829,7 +4842,7 @@
           <a:p>
             <a:fld id="{3F9AFA87-1417-4992-ABD9-27C3BC8CC883}" type="datetimeFigureOut">
               <a:rPr lang="en-US" smtClean="0"/>
-              <a:t>6/8/2021</a:t>
+              <a:t>6/12/22</a:t>
             </a:fld>
             <a:endParaRPr lang="en-US"/>
           </a:p>
@@ -4883,7 +4896,7 @@
           <a:p>
             <a:fld id="{CB1E4CB7-CB13-4810-BF18-BE31AFC64F93}" type="slidenum">
               <a:rPr lang="en-US" smtClean="0"/>
-              <a:t>‹nr.›</a:t>
+              <a:t>‹#›</a:t>
             </a:fld>
             <a:endParaRPr lang="en-US"/>
           </a:p>
@@ -4942,7 +4955,7 @@
           <a:p>
             <a:fld id="{3F9AFA87-1417-4992-ABD9-27C3BC8CC883}" type="datetimeFigureOut">
               <a:rPr lang="en-US" smtClean="0"/>
-              <a:t>6/8/2021</a:t>
+              <a:t>6/12/22</a:t>
             </a:fld>
             <a:endParaRPr lang="en-US"/>
           </a:p>
@@ -4996,7 +5009,7 @@
           <a:p>
             <a:fld id="{CB1E4CB7-CB13-4810-BF18-BE31AFC64F93}" type="slidenum">
               <a:rPr lang="en-US" smtClean="0"/>
-              <a:t>‹nr.›</a:t>
+              <a:t>‹#›</a:t>
             </a:fld>
             <a:endParaRPr lang="en-US"/>
           </a:p>
@@ -5262,7 +5275,7 @@
           <a:p>
             <a:fld id="{3F9AFA87-1417-4992-ABD9-27C3BC8CC883}" type="datetimeFigureOut">
               <a:rPr lang="en-US" smtClean="0"/>
-              <a:t>6/8/2021</a:t>
+              <a:t>6/12/22</a:t>
             </a:fld>
             <a:endParaRPr lang="en-US"/>
           </a:p>
@@ -5316,7 +5329,7 @@
           <a:p>
             <a:fld id="{CB1E4CB7-CB13-4810-BF18-BE31AFC64F93}" type="slidenum">
               <a:rPr lang="en-US" smtClean="0"/>
-              <a:t>‹nr.›</a:t>
+              <a:t>‹#›</a:t>
             </a:fld>
             <a:endParaRPr lang="en-US"/>
           </a:p>
@@ -5567,7 +5580,7 @@
           <a:p>
             <a:fld id="{3F9AFA87-1417-4992-ABD9-27C3BC8CC883}" type="datetimeFigureOut">
               <a:rPr lang="en-US" smtClean="0"/>
-              <a:t>6/8/2021</a:t>
+              <a:t>6/12/22</a:t>
             </a:fld>
             <a:endParaRPr lang="en-US"/>
           </a:p>
@@ -5621,7 +5634,7 @@
           <a:p>
             <a:fld id="{CB1E4CB7-CB13-4810-BF18-BE31AFC64F93}" type="slidenum">
               <a:rPr lang="en-US" smtClean="0"/>
-              <a:t>‹nr.›</a:t>
+              <a:t>‹#›</a:t>
             </a:fld>
             <a:endParaRPr lang="en-US"/>
           </a:p>
@@ -5810,7 +5823,7 @@
             <a:fld id="{3F9AFA87-1417-4992-ABD9-27C3BC8CC883}" type="datetimeFigureOut">
               <a:rPr lang="en-US" smtClean="0"/>
               <a:pPr algn="r"/>
-              <a:t>6/8/2021</a:t>
+              <a:t>6/12/22</a:t>
             </a:fld>
             <a:endParaRPr lang="en-US" dirty="0"/>
           </a:p>
@@ -5897,7 +5910,7 @@
             <a:fld id="{CB1E4CB7-CB13-4810-BF18-BE31AFC64F93}" type="slidenum">
               <a:rPr lang="en-US" smtClean="0"/>
               <a:pPr/>
-              <a:t>‹nr.›</a:t>
+              <a:t>‹#›</a:t>
             </a:fld>
             <a:endParaRPr lang="en-US" sz="1000" dirty="0"/>
           </a:p>
